--- a/Lectures/ppts/Lecture 2.pptx
+++ b/Lectures/ppts/Lecture 2.pptx
@@ -15,7 +15,7 @@
     <p:sldId id="264" r:id="rId9"/>
     <p:sldId id="261" r:id="rId10"/>
     <p:sldId id="265" r:id="rId11"/>
-    <p:sldId id="266" r:id="rId12"/>
+    <p:sldId id="268" r:id="rId12"/>
     <p:sldId id="267" r:id="rId13"/>
   </p:sldIdLst>
   <p:sldSz cx="12192000" cy="6858000"/>
@@ -127,6 +127,7 @@
 <p1510:revInfo xmlns:a="http://schemas.openxmlformats.org/drawingml/2006/main" xmlns:r="http://schemas.openxmlformats.org/officeDocument/2006/relationships" xmlns:p1510="http://schemas.microsoft.com/office/powerpoint/2015/10/main">
   <p1510:revLst>
     <p1510:client id="{4CA7A230-4698-49FC-B6A8-8A0BE8CED527}" v="5542" dt="2021-03-18T16:40:11.453"/>
+    <p1510:client id="{D19EDDAA-2283-4724-896A-BDE2D1EF0470}" v="68" dt="2021-03-21T22:01:34.794"/>
   </p1510:revLst>
 </p1510:revInfo>
 </file>
@@ -260,7 +261,7 @@
           <a:p>
             <a:fld id="{7EADE604-6095-4678-BC07-E2D82692C32E}" type="datetimeFigureOut">
               <a:rPr lang="en-US" smtClean="0"/>
-              <a:t>3/18/2021</a:t>
+              <a:t>3/21/2021</a:t>
             </a:fld>
             <a:endParaRPr lang="en-US"/>
           </a:p>
@@ -440,7 +441,7 @@
           <a:p>
             <a:fld id="{7EADE604-6095-4678-BC07-E2D82692C32E}" type="datetimeFigureOut">
               <a:rPr lang="en-US" smtClean="0"/>
-              <a:t>3/18/2021</a:t>
+              <a:t>3/21/2021</a:t>
             </a:fld>
             <a:endParaRPr lang="en-US"/>
           </a:p>
@@ -630,7 +631,7 @@
           <a:p>
             <a:fld id="{7EADE604-6095-4678-BC07-E2D82692C32E}" type="datetimeFigureOut">
               <a:rPr lang="en-US" smtClean="0"/>
-              <a:t>3/18/2021</a:t>
+              <a:t>3/21/2021</a:t>
             </a:fld>
             <a:endParaRPr lang="en-US"/>
           </a:p>
@@ -810,7 +811,7 @@
           <a:p>
             <a:fld id="{7EADE604-6095-4678-BC07-E2D82692C32E}" type="datetimeFigureOut">
               <a:rPr lang="en-US" smtClean="0"/>
-              <a:t>3/18/2021</a:t>
+              <a:t>3/21/2021</a:t>
             </a:fld>
             <a:endParaRPr lang="en-US"/>
           </a:p>
@@ -1067,7 +1068,7 @@
           <a:p>
             <a:fld id="{7EADE604-6095-4678-BC07-E2D82692C32E}" type="datetimeFigureOut">
               <a:rPr lang="en-US" smtClean="0"/>
-              <a:t>3/18/2021</a:t>
+              <a:t>3/21/2021</a:t>
             </a:fld>
             <a:endParaRPr lang="en-US"/>
           </a:p>
@@ -1308,7 +1309,7 @@
           <a:p>
             <a:fld id="{7EADE604-6095-4678-BC07-E2D82692C32E}" type="datetimeFigureOut">
               <a:rPr lang="en-US" smtClean="0"/>
-              <a:t>3/18/2021</a:t>
+              <a:t>3/21/2021</a:t>
             </a:fld>
             <a:endParaRPr lang="en-US"/>
           </a:p>
@@ -1684,7 +1685,7 @@
           <a:p>
             <a:fld id="{7EADE604-6095-4678-BC07-E2D82692C32E}" type="datetimeFigureOut">
               <a:rPr lang="en-US" smtClean="0"/>
-              <a:t>3/18/2021</a:t>
+              <a:t>3/21/2021</a:t>
             </a:fld>
             <a:endParaRPr lang="en-US"/>
           </a:p>
@@ -1813,7 +1814,7 @@
           <a:p>
             <a:fld id="{7EADE604-6095-4678-BC07-E2D82692C32E}" type="datetimeFigureOut">
               <a:rPr lang="en-US" smtClean="0"/>
-              <a:t>3/18/2021</a:t>
+              <a:t>3/21/2021</a:t>
             </a:fld>
             <a:endParaRPr lang="en-US"/>
           </a:p>
@@ -1920,7 +1921,7 @@
           <a:p>
             <a:fld id="{7EADE604-6095-4678-BC07-E2D82692C32E}" type="datetimeFigureOut">
               <a:rPr lang="en-US" smtClean="0"/>
-              <a:t>3/18/2021</a:t>
+              <a:t>3/21/2021</a:t>
             </a:fld>
             <a:endParaRPr lang="en-US"/>
           </a:p>
@@ -2207,7 +2208,7 @@
           <a:p>
             <a:fld id="{7EADE604-6095-4678-BC07-E2D82692C32E}" type="datetimeFigureOut">
               <a:rPr lang="en-US" smtClean="0"/>
-              <a:t>3/18/2021</a:t>
+              <a:t>3/21/2021</a:t>
             </a:fld>
             <a:endParaRPr lang="en-US"/>
           </a:p>
@@ -2471,7 +2472,7 @@
           <a:p>
             <a:fld id="{7EADE604-6095-4678-BC07-E2D82692C32E}" type="datetimeFigureOut">
               <a:rPr lang="en-US" smtClean="0"/>
-              <a:t>3/18/2021</a:t>
+              <a:t>3/21/2021</a:t>
             </a:fld>
             <a:endParaRPr lang="en-US"/>
           </a:p>
@@ -2694,7 +2695,7 @@
           <a:p>
             <a:fld id="{7EADE604-6095-4678-BC07-E2D82692C32E}" type="datetimeFigureOut">
               <a:rPr lang="en-US" smtClean="0"/>
-              <a:t>3/18/2021</a:t>
+              <a:t>3/21/2021</a:t>
             </a:fld>
             <a:endParaRPr lang="en-US"/>
           </a:p>
@@ -3489,12 +3490,48 @@
           <a:chExt cx="0" cy="0"/>
         </a:xfrm>
       </p:grpSpPr>
+      <p:sp>
+        <p:nvSpPr>
+          <p:cNvPr id="2" name="Title 1">
+            <a:extLst>
+              <a:ext uri="{FF2B5EF4-FFF2-40B4-BE49-F238E27FC236}">
+                <a16:creationId xmlns:a16="http://schemas.microsoft.com/office/drawing/2014/main" id="{67B1F3A4-B634-497B-BD38-2F898CEC9BEB}"/>
+              </a:ext>
+            </a:extLst>
+          </p:cNvPr>
+          <p:cNvSpPr>
+            <a:spLocks noGrp="1"/>
+          </p:cNvSpPr>
+          <p:nvPr>
+            <p:ph type="title"/>
+          </p:nvPr>
+        </p:nvSpPr>
+        <p:spPr>
+          <a:xfrm>
+            <a:off x="838200" y="1401647"/>
+            <a:ext cx="10515600" cy="944563"/>
+          </a:xfrm>
+        </p:spPr>
+        <p:txBody>
+          <a:bodyPr/>
+          <a:lstStyle/>
+          <a:p>
+            <a:pPr algn="ctr"/>
+            <a:r>
+              <a:rPr lang="en-US" b="1" dirty="0">
+                <a:cs typeface="Calibri Light"/>
+              </a:rPr>
+              <a:t>Arduino Input Protection circuit</a:t>
+            </a:r>
+          </a:p>
+        </p:txBody>
+      </p:sp>
       <p:pic>
         <p:nvPicPr>
-          <p:cNvPr id="4" name="Picture 4" descr="Diagram&#10;&#10;Description automatically generated">
+          <p:cNvPr id="5" name="Picture 4" descr="Diagram&#10;&#10;Description automatically generated">
             <a:extLst>
               <a:ext uri="{FF2B5EF4-FFF2-40B4-BE49-F238E27FC236}">
-                <a16:creationId xmlns:a16="http://schemas.microsoft.com/office/drawing/2014/main" id="{40BF008E-72B0-447F-947B-28454CD98D00}"/>
+                <a16:creationId xmlns:a16="http://schemas.microsoft.com/office/drawing/2014/main" id="{B6C58A40-E400-49C5-BA32-BEB04E296895}"/>
               </a:ext>
             </a:extLst>
           </p:cNvPr>
@@ -3511,8 +3548,8 @@
         </p:blipFill>
         <p:spPr>
           <a:xfrm>
-            <a:off x="1676400" y="1676278"/>
-            <a:ext cx="8975270" cy="4566800"/>
+            <a:off x="1717221" y="2397456"/>
+            <a:ext cx="8621485" cy="4117765"/>
           </a:xfrm>
           <a:prstGeom prst="rect">
             <a:avLst/>
@@ -3521,10 +3558,10 @@
       </p:pic>
       <p:sp>
         <p:nvSpPr>
-          <p:cNvPr id="5" name="Rectangle 4">
+          <p:cNvPr id="6" name="Rectangle 5">
             <a:extLst>
               <a:ext uri="{FF2B5EF4-FFF2-40B4-BE49-F238E27FC236}">
-                <a16:creationId xmlns:a16="http://schemas.microsoft.com/office/drawing/2014/main" id="{2C36E359-A29F-413F-B39C-EF0001636108}"/>
+                <a16:creationId xmlns:a16="http://schemas.microsoft.com/office/drawing/2014/main" id="{9F594CFE-433C-48CF-BE02-B0AE0C001C02}"/>
               </a:ext>
             </a:extLst>
           </p:cNvPr>
@@ -3533,28 +3570,33 @@
         </p:nvSpPr>
         <p:spPr>
           <a:xfrm>
-            <a:off x="7121979" y="5366657"/>
-            <a:ext cx="3673928" cy="231321"/>
+            <a:off x="7802336" y="5734049"/>
+            <a:ext cx="2394856" cy="381001"/>
           </a:xfrm>
           <a:prstGeom prst="rect">
             <a:avLst/>
           </a:prstGeom>
+          <a:solidFill>
+            <a:schemeClr val="bg1"/>
+          </a:solidFill>
           <a:ln>
             <a:noFill/>
           </a:ln>
         </p:spPr>
         <p:style>
           <a:lnRef idx="2">
-            <a:schemeClr val="dk1"/>
+            <a:schemeClr val="accent1">
+              <a:shade val="50000"/>
+            </a:schemeClr>
           </a:lnRef>
           <a:fillRef idx="1">
-            <a:schemeClr val="lt1"/>
+            <a:schemeClr val="accent1"/>
           </a:fillRef>
           <a:effectRef idx="0">
-            <a:schemeClr val="dk1"/>
+            <a:schemeClr val="accent1"/>
           </a:effectRef>
           <a:fontRef idx="minor">
-            <a:schemeClr val="dk1"/>
+            <a:schemeClr val="lt1"/>
           </a:fontRef>
         </p:style>
         <p:txBody>
@@ -3569,7 +3611,7 @@
     </p:spTree>
     <p:extLst>
       <p:ext uri="{BB962C8B-B14F-4D97-AF65-F5344CB8AC3E}">
-        <p14:creationId xmlns:p14="http://schemas.microsoft.com/office/powerpoint/2010/main" val="2749063590"/>
+        <p14:creationId xmlns:p14="http://schemas.microsoft.com/office/powerpoint/2010/main" val="836313801"/>
       </p:ext>
     </p:extLst>
   </p:cSld>
